--- a/ppt/1.2算法.pptx
+++ b/ppt/1.2算法.pptx
@@ -252,7 +252,7 @@
           <a:p>
             <a:fld id="{66C3546E-20F6-7649-A9A4-4E4A245D3E82}" type="datetimeFigureOut">
               <a:rPr kumimoji="1" lang="zh-CN" altLang="en-US" smtClean="0"/>
-              <a:t>2020/2/9</a:t>
+              <a:t>2020/2/11</a:t>
             </a:fld>
             <a:endParaRPr kumimoji="1" lang="zh-CN" altLang="en-US"/>
           </a:p>
@@ -2465,7 +2465,7 @@
           <a:p>
             <a:fld id="{1C49BB65-7B3F-4D4E-A397-BBFD82890A5A}" type="datetimeFigureOut">
               <a:rPr kumimoji="1" lang="zh-CN" altLang="en-US" smtClean="0"/>
-              <a:t>2020/2/9</a:t>
+              <a:t>2020/2/11</a:t>
             </a:fld>
             <a:endParaRPr kumimoji="1" lang="zh-CN" altLang="en-US"/>
           </a:p>
@@ -2663,7 +2663,7 @@
           <a:p>
             <a:fld id="{1C49BB65-7B3F-4D4E-A397-BBFD82890A5A}" type="datetimeFigureOut">
               <a:rPr kumimoji="1" lang="zh-CN" altLang="en-US" smtClean="0"/>
-              <a:t>2020/2/9</a:t>
+              <a:t>2020/2/11</a:t>
             </a:fld>
             <a:endParaRPr kumimoji="1" lang="zh-CN" altLang="en-US"/>
           </a:p>
@@ -2871,7 +2871,7 @@
           <a:p>
             <a:fld id="{1C49BB65-7B3F-4D4E-A397-BBFD82890A5A}" type="datetimeFigureOut">
               <a:rPr kumimoji="1" lang="zh-CN" altLang="en-US" smtClean="0"/>
-              <a:t>2020/2/9</a:t>
+              <a:t>2020/2/11</a:t>
             </a:fld>
             <a:endParaRPr kumimoji="1" lang="zh-CN" altLang="en-US"/>
           </a:p>
@@ -3069,7 +3069,7 @@
           <a:p>
             <a:fld id="{1C49BB65-7B3F-4D4E-A397-BBFD82890A5A}" type="datetimeFigureOut">
               <a:rPr kumimoji="1" lang="zh-CN" altLang="en-US" smtClean="0"/>
-              <a:t>2020/2/9</a:t>
+              <a:t>2020/2/11</a:t>
             </a:fld>
             <a:endParaRPr kumimoji="1" lang="zh-CN" altLang="en-US"/>
           </a:p>
@@ -3344,7 +3344,7 @@
           <a:p>
             <a:fld id="{1C49BB65-7B3F-4D4E-A397-BBFD82890A5A}" type="datetimeFigureOut">
               <a:rPr kumimoji="1" lang="zh-CN" altLang="en-US" smtClean="0"/>
-              <a:t>2020/2/9</a:t>
+              <a:t>2020/2/11</a:t>
             </a:fld>
             <a:endParaRPr kumimoji="1" lang="zh-CN" altLang="en-US"/>
           </a:p>
@@ -3609,7 +3609,7 @@
           <a:p>
             <a:fld id="{1C49BB65-7B3F-4D4E-A397-BBFD82890A5A}" type="datetimeFigureOut">
               <a:rPr kumimoji="1" lang="zh-CN" altLang="en-US" smtClean="0"/>
-              <a:t>2020/2/9</a:t>
+              <a:t>2020/2/11</a:t>
             </a:fld>
             <a:endParaRPr kumimoji="1" lang="zh-CN" altLang="en-US"/>
           </a:p>
@@ -4021,7 +4021,7 @@
           <a:p>
             <a:fld id="{1C49BB65-7B3F-4D4E-A397-BBFD82890A5A}" type="datetimeFigureOut">
               <a:rPr kumimoji="1" lang="zh-CN" altLang="en-US" smtClean="0"/>
-              <a:t>2020/2/9</a:t>
+              <a:t>2020/2/11</a:t>
             </a:fld>
             <a:endParaRPr kumimoji="1" lang="zh-CN" altLang="en-US"/>
           </a:p>
@@ -4162,7 +4162,7 @@
           <a:p>
             <a:fld id="{1C49BB65-7B3F-4D4E-A397-BBFD82890A5A}" type="datetimeFigureOut">
               <a:rPr kumimoji="1" lang="zh-CN" altLang="en-US" smtClean="0"/>
-              <a:t>2020/2/9</a:t>
+              <a:t>2020/2/11</a:t>
             </a:fld>
             <a:endParaRPr kumimoji="1" lang="zh-CN" altLang="en-US"/>
           </a:p>
@@ -4532,7 +4532,7 @@
           <a:p>
             <a:fld id="{1C49BB65-7B3F-4D4E-A397-BBFD82890A5A}" type="datetimeFigureOut">
               <a:rPr kumimoji="1" lang="zh-CN" altLang="en-US" smtClean="0"/>
-              <a:t>2020/2/9</a:t>
+              <a:t>2020/2/11</a:t>
             </a:fld>
             <a:endParaRPr kumimoji="1" lang="zh-CN" altLang="en-US"/>
           </a:p>
@@ -4820,7 +4820,7 @@
           <a:p>
             <a:fld id="{1C49BB65-7B3F-4D4E-A397-BBFD82890A5A}" type="datetimeFigureOut">
               <a:rPr kumimoji="1" lang="zh-CN" altLang="en-US" smtClean="0"/>
-              <a:t>2020/2/9</a:t>
+              <a:t>2020/2/11</a:t>
             </a:fld>
             <a:endParaRPr kumimoji="1" lang="zh-CN" altLang="en-US"/>
           </a:p>
@@ -5061,7 +5061,7 @@
           <a:p>
             <a:fld id="{1C49BB65-7B3F-4D4E-A397-BBFD82890A5A}" type="datetimeFigureOut">
               <a:rPr kumimoji="1" lang="zh-CN" altLang="en-US" smtClean="0"/>
-              <a:t>2020/2/9</a:t>
+              <a:t>2020/2/11</a:t>
             </a:fld>
             <a:endParaRPr kumimoji="1" lang="zh-CN" altLang="en-US"/>
           </a:p>
@@ -9988,7 +9988,7 @@
                 <a:latin typeface="Microsoft YaHei" panose="020B0503020204020204" pitchFamily="34" charset="-122"/>
                 <a:ea typeface="Microsoft YaHei" panose="020B0503020204020204" pitchFamily="34" charset="-122"/>
               </a:rPr>
-              <a:t>这堂课我们学了撒？</a:t>
+              <a:t>这堂课我们学了什么？</a:t>
             </a:r>
           </a:p>
         </p:txBody>

--- a/ppt/1.2算法.pptx
+++ b/ppt/1.2算法.pptx
@@ -252,7 +252,7 @@
           <a:p>
             <a:fld id="{66C3546E-20F6-7649-A9A4-4E4A245D3E82}" type="datetimeFigureOut">
               <a:rPr kumimoji="1" lang="zh-CN" altLang="en-US" smtClean="0"/>
-              <a:t>2020/2/11</a:t>
+              <a:t>2020/2/17</a:t>
             </a:fld>
             <a:endParaRPr kumimoji="1" lang="zh-CN" altLang="en-US"/>
           </a:p>
@@ -2465,7 +2465,7 @@
           <a:p>
             <a:fld id="{1C49BB65-7B3F-4D4E-A397-BBFD82890A5A}" type="datetimeFigureOut">
               <a:rPr kumimoji="1" lang="zh-CN" altLang="en-US" smtClean="0"/>
-              <a:t>2020/2/11</a:t>
+              <a:t>2020/2/17</a:t>
             </a:fld>
             <a:endParaRPr kumimoji="1" lang="zh-CN" altLang="en-US"/>
           </a:p>
@@ -2663,7 +2663,7 @@
           <a:p>
             <a:fld id="{1C49BB65-7B3F-4D4E-A397-BBFD82890A5A}" type="datetimeFigureOut">
               <a:rPr kumimoji="1" lang="zh-CN" altLang="en-US" smtClean="0"/>
-              <a:t>2020/2/11</a:t>
+              <a:t>2020/2/17</a:t>
             </a:fld>
             <a:endParaRPr kumimoji="1" lang="zh-CN" altLang="en-US"/>
           </a:p>
@@ -2871,7 +2871,7 @@
           <a:p>
             <a:fld id="{1C49BB65-7B3F-4D4E-A397-BBFD82890A5A}" type="datetimeFigureOut">
               <a:rPr kumimoji="1" lang="zh-CN" altLang="en-US" smtClean="0"/>
-              <a:t>2020/2/11</a:t>
+              <a:t>2020/2/17</a:t>
             </a:fld>
             <a:endParaRPr kumimoji="1" lang="zh-CN" altLang="en-US"/>
           </a:p>
@@ -3069,7 +3069,7 @@
           <a:p>
             <a:fld id="{1C49BB65-7B3F-4D4E-A397-BBFD82890A5A}" type="datetimeFigureOut">
               <a:rPr kumimoji="1" lang="zh-CN" altLang="en-US" smtClean="0"/>
-              <a:t>2020/2/11</a:t>
+              <a:t>2020/2/17</a:t>
             </a:fld>
             <a:endParaRPr kumimoji="1" lang="zh-CN" altLang="en-US"/>
           </a:p>
@@ -3344,7 +3344,7 @@
           <a:p>
             <a:fld id="{1C49BB65-7B3F-4D4E-A397-BBFD82890A5A}" type="datetimeFigureOut">
               <a:rPr kumimoji="1" lang="zh-CN" altLang="en-US" smtClean="0"/>
-              <a:t>2020/2/11</a:t>
+              <a:t>2020/2/17</a:t>
             </a:fld>
             <a:endParaRPr kumimoji="1" lang="zh-CN" altLang="en-US"/>
           </a:p>
@@ -3609,7 +3609,7 @@
           <a:p>
             <a:fld id="{1C49BB65-7B3F-4D4E-A397-BBFD82890A5A}" type="datetimeFigureOut">
               <a:rPr kumimoji="1" lang="zh-CN" altLang="en-US" smtClean="0"/>
-              <a:t>2020/2/11</a:t>
+              <a:t>2020/2/17</a:t>
             </a:fld>
             <a:endParaRPr kumimoji="1" lang="zh-CN" altLang="en-US"/>
           </a:p>
@@ -4021,7 +4021,7 @@
           <a:p>
             <a:fld id="{1C49BB65-7B3F-4D4E-A397-BBFD82890A5A}" type="datetimeFigureOut">
               <a:rPr kumimoji="1" lang="zh-CN" altLang="en-US" smtClean="0"/>
-              <a:t>2020/2/11</a:t>
+              <a:t>2020/2/17</a:t>
             </a:fld>
             <a:endParaRPr kumimoji="1" lang="zh-CN" altLang="en-US"/>
           </a:p>
@@ -4162,7 +4162,7 @@
           <a:p>
             <a:fld id="{1C49BB65-7B3F-4D4E-A397-BBFD82890A5A}" type="datetimeFigureOut">
               <a:rPr kumimoji="1" lang="zh-CN" altLang="en-US" smtClean="0"/>
-              <a:t>2020/2/11</a:t>
+              <a:t>2020/2/17</a:t>
             </a:fld>
             <a:endParaRPr kumimoji="1" lang="zh-CN" altLang="en-US"/>
           </a:p>
@@ -4532,7 +4532,7 @@
           <a:p>
             <a:fld id="{1C49BB65-7B3F-4D4E-A397-BBFD82890A5A}" type="datetimeFigureOut">
               <a:rPr kumimoji="1" lang="zh-CN" altLang="en-US" smtClean="0"/>
-              <a:t>2020/2/11</a:t>
+              <a:t>2020/2/17</a:t>
             </a:fld>
             <a:endParaRPr kumimoji="1" lang="zh-CN" altLang="en-US"/>
           </a:p>
@@ -4820,7 +4820,7 @@
           <a:p>
             <a:fld id="{1C49BB65-7B3F-4D4E-A397-BBFD82890A5A}" type="datetimeFigureOut">
               <a:rPr kumimoji="1" lang="zh-CN" altLang="en-US" smtClean="0"/>
-              <a:t>2020/2/11</a:t>
+              <a:t>2020/2/17</a:t>
             </a:fld>
             <a:endParaRPr kumimoji="1" lang="zh-CN" altLang="en-US"/>
           </a:p>
@@ -5061,7 +5061,7 @@
           <a:p>
             <a:fld id="{1C49BB65-7B3F-4D4E-A397-BBFD82890A5A}" type="datetimeFigureOut">
               <a:rPr kumimoji="1" lang="zh-CN" altLang="en-US" smtClean="0"/>
-              <a:t>2020/2/11</a:t>
+              <a:t>2020/2/17</a:t>
             </a:fld>
             <a:endParaRPr kumimoji="1" lang="zh-CN" altLang="en-US"/>
           </a:p>
@@ -10931,8 +10931,26 @@
                 <a:latin typeface="Microsoft YaHei" panose="020B0503020204020204" pitchFamily="34" charset="-122"/>
                 <a:ea typeface="Microsoft YaHei" panose="020B0503020204020204" pitchFamily="34" charset="-122"/>
               </a:rPr>
-              <a:t>还要具备健壮性</a:t>
-            </a:r>
+              <a:t>还要具备健壮性（</a:t>
+            </a:r>
+            <a:r>
+              <a:rPr kumimoji="1" lang="en-US" altLang="zh-CN" sz="2800">
+                <a:latin typeface="Microsoft YaHei" panose="020B0503020204020204" pitchFamily="34" charset="-122"/>
+                <a:ea typeface="Microsoft YaHei" panose="020B0503020204020204" pitchFamily="34" charset="-122"/>
+              </a:rPr>
+              <a:t>robust</a:t>
+            </a:r>
+            <a:r>
+              <a:rPr kumimoji="1" lang="zh-CN" altLang="en-US" sz="2800">
+                <a:latin typeface="Microsoft YaHei" panose="020B0503020204020204" pitchFamily="34" charset="-122"/>
+                <a:ea typeface="Microsoft YaHei" panose="020B0503020204020204" pitchFamily="34" charset="-122"/>
+              </a:rPr>
+              <a:t>）</a:t>
+            </a:r>
+            <a:endParaRPr kumimoji="1" lang="zh-CN" altLang="en-US" sz="2800" dirty="0">
+              <a:latin typeface="Microsoft YaHei" panose="020B0503020204020204" pitchFamily="34" charset="-122"/>
+              <a:ea typeface="Microsoft YaHei" panose="020B0503020204020204" pitchFamily="34" charset="-122"/>
+            </a:endParaRPr>
           </a:p>
         </p:txBody>
       </p:sp>

--- a/ppt/1.2算法.pptx
+++ b/ppt/1.2算法.pptx
@@ -252,7 +252,7 @@
           <a:p>
             <a:fld id="{66C3546E-20F6-7649-A9A4-4E4A245D3E82}" type="datetimeFigureOut">
               <a:rPr kumimoji="1" lang="zh-CN" altLang="en-US" smtClean="0"/>
-              <a:t>2020/2/17</a:t>
+              <a:t>2020/3/5</a:t>
             </a:fld>
             <a:endParaRPr kumimoji="1" lang="zh-CN" altLang="en-US"/>
           </a:p>
@@ -2465,7 +2465,7 @@
           <a:p>
             <a:fld id="{1C49BB65-7B3F-4D4E-A397-BBFD82890A5A}" type="datetimeFigureOut">
               <a:rPr kumimoji="1" lang="zh-CN" altLang="en-US" smtClean="0"/>
-              <a:t>2020/2/17</a:t>
+              <a:t>2020/3/5</a:t>
             </a:fld>
             <a:endParaRPr kumimoji="1" lang="zh-CN" altLang="en-US"/>
           </a:p>
@@ -2663,7 +2663,7 @@
           <a:p>
             <a:fld id="{1C49BB65-7B3F-4D4E-A397-BBFD82890A5A}" type="datetimeFigureOut">
               <a:rPr kumimoji="1" lang="zh-CN" altLang="en-US" smtClean="0"/>
-              <a:t>2020/2/17</a:t>
+              <a:t>2020/3/5</a:t>
             </a:fld>
             <a:endParaRPr kumimoji="1" lang="zh-CN" altLang="en-US"/>
           </a:p>
@@ -2871,7 +2871,7 @@
           <a:p>
             <a:fld id="{1C49BB65-7B3F-4D4E-A397-BBFD82890A5A}" type="datetimeFigureOut">
               <a:rPr kumimoji="1" lang="zh-CN" altLang="en-US" smtClean="0"/>
-              <a:t>2020/2/17</a:t>
+              <a:t>2020/3/5</a:t>
             </a:fld>
             <a:endParaRPr kumimoji="1" lang="zh-CN" altLang="en-US"/>
           </a:p>
@@ -3069,7 +3069,7 @@
           <a:p>
             <a:fld id="{1C49BB65-7B3F-4D4E-A397-BBFD82890A5A}" type="datetimeFigureOut">
               <a:rPr kumimoji="1" lang="zh-CN" altLang="en-US" smtClean="0"/>
-              <a:t>2020/2/17</a:t>
+              <a:t>2020/3/5</a:t>
             </a:fld>
             <a:endParaRPr kumimoji="1" lang="zh-CN" altLang="en-US"/>
           </a:p>
@@ -3344,7 +3344,7 @@
           <a:p>
             <a:fld id="{1C49BB65-7B3F-4D4E-A397-BBFD82890A5A}" type="datetimeFigureOut">
               <a:rPr kumimoji="1" lang="zh-CN" altLang="en-US" smtClean="0"/>
-              <a:t>2020/2/17</a:t>
+              <a:t>2020/3/5</a:t>
             </a:fld>
             <a:endParaRPr kumimoji="1" lang="zh-CN" altLang="en-US"/>
           </a:p>
@@ -3609,7 +3609,7 @@
           <a:p>
             <a:fld id="{1C49BB65-7B3F-4D4E-A397-BBFD82890A5A}" type="datetimeFigureOut">
               <a:rPr kumimoji="1" lang="zh-CN" altLang="en-US" smtClean="0"/>
-              <a:t>2020/2/17</a:t>
+              <a:t>2020/3/5</a:t>
             </a:fld>
             <a:endParaRPr kumimoji="1" lang="zh-CN" altLang="en-US"/>
           </a:p>
@@ -4021,7 +4021,7 @@
           <a:p>
             <a:fld id="{1C49BB65-7B3F-4D4E-A397-BBFD82890A5A}" type="datetimeFigureOut">
               <a:rPr kumimoji="1" lang="zh-CN" altLang="en-US" smtClean="0"/>
-              <a:t>2020/2/17</a:t>
+              <a:t>2020/3/5</a:t>
             </a:fld>
             <a:endParaRPr kumimoji="1" lang="zh-CN" altLang="en-US"/>
           </a:p>
@@ -4162,7 +4162,7 @@
           <a:p>
             <a:fld id="{1C49BB65-7B3F-4D4E-A397-BBFD82890A5A}" type="datetimeFigureOut">
               <a:rPr kumimoji="1" lang="zh-CN" altLang="en-US" smtClean="0"/>
-              <a:t>2020/2/17</a:t>
+              <a:t>2020/3/5</a:t>
             </a:fld>
             <a:endParaRPr kumimoji="1" lang="zh-CN" altLang="en-US"/>
           </a:p>
@@ -4532,7 +4532,7 @@
           <a:p>
             <a:fld id="{1C49BB65-7B3F-4D4E-A397-BBFD82890A5A}" type="datetimeFigureOut">
               <a:rPr kumimoji="1" lang="zh-CN" altLang="en-US" smtClean="0"/>
-              <a:t>2020/2/17</a:t>
+              <a:t>2020/3/5</a:t>
             </a:fld>
             <a:endParaRPr kumimoji="1" lang="zh-CN" altLang="en-US"/>
           </a:p>
@@ -4820,7 +4820,7 @@
           <a:p>
             <a:fld id="{1C49BB65-7B3F-4D4E-A397-BBFD82890A5A}" type="datetimeFigureOut">
               <a:rPr kumimoji="1" lang="zh-CN" altLang="en-US" smtClean="0"/>
-              <a:t>2020/2/17</a:t>
+              <a:t>2020/3/5</a:t>
             </a:fld>
             <a:endParaRPr kumimoji="1" lang="zh-CN" altLang="en-US"/>
           </a:p>
@@ -5061,7 +5061,7 @@
           <a:p>
             <a:fld id="{1C49BB65-7B3F-4D4E-A397-BBFD82890A5A}" type="datetimeFigureOut">
               <a:rPr kumimoji="1" lang="zh-CN" altLang="en-US" smtClean="0"/>
-              <a:t>2020/2/17</a:t>
+              <a:t>2020/3/5</a:t>
             </a:fld>
             <a:endParaRPr kumimoji="1" lang="zh-CN" altLang="en-US"/>
           </a:p>
@@ -5621,7 +5621,28 @@
                 <a:latin typeface="Microsoft YaHei" panose="020B0503020204020204" pitchFamily="34" charset="-122"/>
                 <a:ea typeface="Microsoft YaHei" panose="020B0503020204020204" pitchFamily="34" charset="-122"/>
               </a:rPr>
-              <a:t>第二节课 算法</a:t>
+              <a:t>第</a:t>
+            </a:r>
+            <a:r>
+              <a:rPr kumimoji="1" lang="en-US" altLang="zh-CN" sz="4000">
+                <a:latin typeface="Microsoft YaHei" panose="020B0503020204020204" pitchFamily="34" charset="-122"/>
+                <a:ea typeface="Microsoft YaHei" panose="020B0503020204020204" pitchFamily="34" charset="-122"/>
+              </a:rPr>
+              <a:t>2</a:t>
+            </a:r>
+            <a:r>
+              <a:rPr kumimoji="1" lang="zh-CN" altLang="en-US" sz="4000">
+                <a:latin typeface="Microsoft YaHei" panose="020B0503020204020204" pitchFamily="34" charset="-122"/>
+                <a:ea typeface="Microsoft YaHei" panose="020B0503020204020204" pitchFamily="34" charset="-122"/>
+              </a:rPr>
+              <a:t>节</a:t>
+            </a:r>
+            <a:r>
+              <a:rPr kumimoji="1" lang="zh-CN" altLang="en-US" sz="4000" dirty="0">
+                <a:latin typeface="Microsoft YaHei" panose="020B0503020204020204" pitchFamily="34" charset="-122"/>
+                <a:ea typeface="Microsoft YaHei" panose="020B0503020204020204" pitchFamily="34" charset="-122"/>
+              </a:rPr>
+              <a:t>课 算法</a:t>
             </a:r>
           </a:p>
         </p:txBody>
